--- a/01-Version-Control-Systems.pptx
+++ b/01-Version-Control-Systems.pptx
@@ -112,6 +112,22 @@
       </a:defRPr>
     </a:lvl9pPr>
   </p:defaultTextStyle>
+  <p:extLst>
+    <p:ext uri="{EFAFB233-063F-42B5-8137-9DF3F51BA10A}">
+      <p15:sldGuideLst xmlns:p15="http://schemas.microsoft.com/office/powerpoint/2012/main">
+        <p15:guide id="1" orient="horz" pos="2160">
+          <p15:clr>
+            <a:srgbClr val="A4A3A4"/>
+          </p15:clr>
+        </p15:guide>
+        <p15:guide id="2" pos="2880">
+          <p15:clr>
+            <a:srgbClr val="A4A3A4"/>
+          </p15:clr>
+        </p15:guide>
+      </p15:sldGuideLst>
+    </p:ext>
+  </p:extLst>
 </p:presentation>
 </file>
 
@@ -296,7 +312,7 @@
           <a:p>
             <a:fld id="{3EA744D9-3FBE-48D8-BF2A-85DF203E4D20}" type="datetimeFigureOut">
               <a:rPr lang="bg-BG" smtClean="0"/>
-              <a:t>22.4.2015 г.</a:t>
+              <a:t>29.11.2015 г.</a:t>
             </a:fld>
             <a:endParaRPr lang="bg-BG"/>
           </a:p>
@@ -466,7 +482,7 @@
           <a:p>
             <a:fld id="{3EA744D9-3FBE-48D8-BF2A-85DF203E4D20}" type="datetimeFigureOut">
               <a:rPr lang="bg-BG" smtClean="0"/>
-              <a:t>22.4.2015 г.</a:t>
+              <a:t>29.11.2015 г.</a:t>
             </a:fld>
             <a:endParaRPr lang="bg-BG"/>
           </a:p>
@@ -646,7 +662,7 @@
           <a:p>
             <a:fld id="{3EA744D9-3FBE-48D8-BF2A-85DF203E4D20}" type="datetimeFigureOut">
               <a:rPr lang="bg-BG" smtClean="0"/>
-              <a:t>22.4.2015 г.</a:t>
+              <a:t>29.11.2015 г.</a:t>
             </a:fld>
             <a:endParaRPr lang="bg-BG"/>
           </a:p>
@@ -816,7 +832,7 @@
           <a:p>
             <a:fld id="{3EA744D9-3FBE-48D8-BF2A-85DF203E4D20}" type="datetimeFigureOut">
               <a:rPr lang="bg-BG" smtClean="0"/>
-              <a:t>22.4.2015 г.</a:t>
+              <a:t>29.11.2015 г.</a:t>
             </a:fld>
             <a:endParaRPr lang="bg-BG"/>
           </a:p>
@@ -1062,7 +1078,7 @@
           <a:p>
             <a:fld id="{3EA744D9-3FBE-48D8-BF2A-85DF203E4D20}" type="datetimeFigureOut">
               <a:rPr lang="bg-BG" smtClean="0"/>
-              <a:t>22.4.2015 г.</a:t>
+              <a:t>29.11.2015 г.</a:t>
             </a:fld>
             <a:endParaRPr lang="bg-BG"/>
           </a:p>
@@ -1350,7 +1366,7 @@
           <a:p>
             <a:fld id="{3EA744D9-3FBE-48D8-BF2A-85DF203E4D20}" type="datetimeFigureOut">
               <a:rPr lang="bg-BG" smtClean="0"/>
-              <a:t>22.4.2015 г.</a:t>
+              <a:t>29.11.2015 г.</a:t>
             </a:fld>
             <a:endParaRPr lang="bg-BG"/>
           </a:p>
@@ -1772,7 +1788,7 @@
           <a:p>
             <a:fld id="{3EA744D9-3FBE-48D8-BF2A-85DF203E4D20}" type="datetimeFigureOut">
               <a:rPr lang="bg-BG" smtClean="0"/>
-              <a:t>22.4.2015 г.</a:t>
+              <a:t>29.11.2015 г.</a:t>
             </a:fld>
             <a:endParaRPr lang="bg-BG"/>
           </a:p>
@@ -1890,7 +1906,7 @@
           <a:p>
             <a:fld id="{3EA744D9-3FBE-48D8-BF2A-85DF203E4D20}" type="datetimeFigureOut">
               <a:rPr lang="bg-BG" smtClean="0"/>
-              <a:t>22.4.2015 г.</a:t>
+              <a:t>29.11.2015 г.</a:t>
             </a:fld>
             <a:endParaRPr lang="bg-BG"/>
           </a:p>
@@ -1985,7 +2001,7 @@
           <a:p>
             <a:fld id="{3EA744D9-3FBE-48D8-BF2A-85DF203E4D20}" type="datetimeFigureOut">
               <a:rPr lang="bg-BG" smtClean="0"/>
-              <a:t>22.4.2015 г.</a:t>
+              <a:t>29.11.2015 г.</a:t>
             </a:fld>
             <a:endParaRPr lang="bg-BG"/>
           </a:p>
@@ -2262,7 +2278,7 @@
           <a:p>
             <a:fld id="{3EA744D9-3FBE-48D8-BF2A-85DF203E4D20}" type="datetimeFigureOut">
               <a:rPr lang="bg-BG" smtClean="0"/>
-              <a:t>22.4.2015 г.</a:t>
+              <a:t>29.11.2015 г.</a:t>
             </a:fld>
             <a:endParaRPr lang="bg-BG"/>
           </a:p>
@@ -2515,7 +2531,7 @@
           <a:p>
             <a:fld id="{3EA744D9-3FBE-48D8-BF2A-85DF203E4D20}" type="datetimeFigureOut">
               <a:rPr lang="bg-BG" smtClean="0"/>
-              <a:t>22.4.2015 г.</a:t>
+              <a:t>29.11.2015 г.</a:t>
             </a:fld>
             <a:endParaRPr lang="bg-BG"/>
           </a:p>
@@ -2737,7 +2753,7 @@
           <a:p>
             <a:fld id="{3EA744D9-3FBE-48D8-BF2A-85DF203E4D20}" type="datetimeFigureOut">
               <a:rPr lang="bg-BG" smtClean="0"/>
-              <a:t>22.4.2015 г.</a:t>
+              <a:t>29.11.2015 г.</a:t>
             </a:fld>
             <a:endParaRPr lang="bg-BG"/>
           </a:p>
@@ -4493,6 +4509,13 @@
   <p:clrMapOvr>
     <a:masterClrMapping/>
   </p:clrMapOvr>
+  <p:timing>
+    <p:tnLst>
+      <p:par>
+        <p:cTn id="1" dur="indefinite" restart="never" nodeType="tmRoot"/>
+      </p:par>
+    </p:tnLst>
+  </p:timing>
 </p:sld>
 </file>
 
@@ -4570,51 +4593,60 @@
           <a:bodyPr/>
           <a:lstStyle/>
           <a:p>
-            <a:pPr>
-              <a:buFont typeface="Wingdings" panose="05000000000000000000" pitchFamily="2" charset="2"/>
-              <a:buChar char="§"/>
+            <a:pPr marL="0" indent="0">
+              <a:buNone/>
             </a:pPr>
             <a:r>
-              <a:rPr lang="bg-BG" dirty="0" smtClean="0">
+              <a:rPr lang="en-US" dirty="0" smtClean="0">
                 <a:solidFill>
                   <a:schemeClr val="bg1">
                     <a:lumMod val="95000"/>
                   </a:schemeClr>
                 </a:solidFill>
               </a:rPr>
-              <a:t>Инсталирайте </a:t>
-            </a:r>
-            <a:r>
-              <a:rPr lang="en-US" dirty="0" err="1">
+              <a:t>1.4) </a:t>
+            </a:r>
+            <a:r>
+              <a:rPr lang="bg-BG" dirty="0" smtClean="0">
                 <a:solidFill>
                   <a:schemeClr val="bg1">
                     <a:lumMod val="95000"/>
                   </a:schemeClr>
                 </a:solidFill>
               </a:rPr>
-              <a:t>Git</a:t>
-            </a:r>
-            <a:r>
-              <a:rPr lang="en-US" dirty="0">
+              <a:t>Инсталирайте </a:t>
+            </a:r>
+            <a:r>
+              <a:rPr lang="en-US" dirty="0" err="1">
                 <a:solidFill>
                   <a:schemeClr val="bg1">
                     <a:lumMod val="95000"/>
                   </a:schemeClr>
                 </a:solidFill>
               </a:rPr>
-              <a:t> </a:t>
-            </a:r>
-            <a:r>
-              <a:rPr lang="en-US" dirty="0" smtClean="0">
+              <a:t>Git</a:t>
+            </a:r>
+            <a:r>
+              <a:rPr lang="en-US" dirty="0">
                 <a:solidFill>
                   <a:schemeClr val="bg1">
                     <a:lumMod val="95000"/>
                   </a:schemeClr>
                 </a:solidFill>
               </a:rPr>
+              <a:t> </a:t>
+            </a:r>
+            <a:r>
+              <a:rPr lang="en-US" dirty="0" smtClean="0">
+                <a:solidFill>
+                  <a:schemeClr val="bg1">
+                    <a:lumMod val="95000"/>
+                  </a:schemeClr>
+                </a:solidFill>
+              </a:rPr>
               <a:t>Extensions</a:t>
             </a:r>
-            <a:endParaRPr lang="bg-BG" dirty="0" smtClean="0">
+            <a:endParaRPr lang="en-US" dirty="0">
               <a:solidFill>
                 <a:schemeClr val="bg1">
                   <a:lumMod val="95000"/>
@@ -4623,79 +4655,78 @@
             </a:endParaRPr>
           </a:p>
           <a:p>
-            <a:pPr>
-              <a:buFont typeface="Wingdings" panose="05000000000000000000" pitchFamily="2" charset="2"/>
-              <a:buChar char="§"/>
+            <a:pPr marL="0" indent="0">
+              <a:buNone/>
             </a:pPr>
             <a:r>
-              <a:rPr lang="bg-BG" dirty="0" smtClean="0">
+              <a:rPr lang="en-US" dirty="0" smtClean="0">
                 <a:solidFill>
                   <a:schemeClr val="bg1">
                     <a:lumMod val="95000"/>
                   </a:schemeClr>
                 </a:solidFill>
               </a:rPr>
-              <a:t>Направете </a:t>
-            </a:r>
-            <a:r>
-              <a:rPr lang="ru-RU" dirty="0" smtClean="0">
+              <a:t>1.5) </a:t>
+            </a:r>
+            <a:r>
+              <a:rPr lang="bg-BG" dirty="0" smtClean="0">
                 <a:solidFill>
                   <a:schemeClr val="bg1">
                     <a:lumMod val="95000"/>
                   </a:schemeClr>
                 </a:solidFill>
               </a:rPr>
-              <a:t>си </a:t>
-            </a:r>
-            <a:r>
-              <a:rPr lang="en-US" dirty="0" smtClean="0">
+              <a:t>Направете </a:t>
+            </a:r>
+            <a:r>
+              <a:rPr lang="ru-RU" dirty="0" smtClean="0">
                 <a:solidFill>
                   <a:schemeClr val="bg1">
                     <a:lumMod val="95000"/>
                   </a:schemeClr>
                 </a:solidFill>
               </a:rPr>
-              <a:t>account </a:t>
-            </a:r>
-            <a:r>
-              <a:rPr lang="ru-RU" dirty="0" smtClean="0">
+              <a:t>си </a:t>
+            </a:r>
+            <a:r>
+              <a:rPr lang="en-US" dirty="0" smtClean="0">
                 <a:solidFill>
                   <a:schemeClr val="bg1">
                     <a:lumMod val="95000"/>
                   </a:schemeClr>
                 </a:solidFill>
               </a:rPr>
-              <a:t>в </a:t>
-            </a:r>
-            <a:r>
-              <a:rPr lang="ru-RU" dirty="0" err="1" smtClean="0">
+              <a:t>account </a:t>
+            </a:r>
+            <a:r>
+              <a:rPr lang="ru-RU" dirty="0" smtClean="0">
                 <a:solidFill>
                   <a:schemeClr val="bg1">
                     <a:lumMod val="95000"/>
                   </a:schemeClr>
                 </a:solidFill>
               </a:rPr>
-              <a:t>GitHub</a:t>
-            </a:r>
-            <a:r>
-              <a:rPr lang="en-US" dirty="0" smtClean="0">
+              <a:t>в </a:t>
+            </a:r>
+            <a:r>
+              <a:rPr lang="ru-RU" dirty="0" err="1" smtClean="0">
                 <a:solidFill>
                   <a:schemeClr val="bg1">
                     <a:lumMod val="95000"/>
                   </a:schemeClr>
                 </a:solidFill>
               </a:rPr>
-              <a:t>. </a:t>
-            </a:r>
-            <a:r>
-              <a:rPr lang="bg-BG" dirty="0" smtClean="0">
+              <a:t>GitHub</a:t>
+            </a:r>
+            <a:r>
+              <a:rPr lang="en-US" dirty="0" smtClean="0">
                 <a:solidFill>
                   <a:schemeClr val="bg1">
                     <a:lumMod val="95000"/>
                   </a:schemeClr>
                 </a:solidFill>
               </a:rPr>
-              <a:t>Създайте </a:t>
+              <a:t>. </a:t>
             </a:r>
             <a:r>
               <a:rPr lang="bg-BG" dirty="0" smtClean="0">
@@ -4705,7 +4736,7 @@
                   </a:schemeClr>
                 </a:solidFill>
               </a:rPr>
-              <a:t>свое </a:t>
+              <a:t>Създайте свое </a:t>
             </a:r>
             <a:r>
               <a:rPr lang="en-US" dirty="0" err="1" smtClean="0">
@@ -4735,7 +4766,7 @@
                   </a:schemeClr>
                 </a:solidFill>
               </a:rPr>
-              <a:t>repository </a:t>
+              <a:t>Repository </a:t>
             </a:r>
             <a:r>
               <a:rPr lang="bg-BG" dirty="0" smtClean="0">
@@ -4745,27 +4776,27 @@
                   </a:schemeClr>
                 </a:solidFill>
               </a:rPr>
-              <a:t>с </a:t>
-            </a:r>
-            <a:r>
-              <a:rPr lang="bg-BG" dirty="0" smtClean="0">
+              <a:t>с името </a:t>
+            </a:r>
+            <a:r>
+              <a:rPr lang="en-US" b="1" dirty="0" smtClean="0">
                 <a:solidFill>
                   <a:schemeClr val="bg1">
                     <a:lumMod val="95000"/>
                   </a:schemeClr>
                 </a:solidFill>
               </a:rPr>
-              <a:t>името </a:t>
-            </a:r>
-            <a:r>
-              <a:rPr lang="en-US" smtClean="0">
+              <a:t>java-course</a:t>
+            </a:r>
+            <a:r>
+              <a:rPr lang="en-US" dirty="0" smtClean="0">
                 <a:solidFill>
                   <a:schemeClr val="bg1">
                     <a:lumMod val="95000"/>
                   </a:schemeClr>
                 </a:solidFill>
               </a:rPr>
-              <a:t>java-course </a:t>
+              <a:t> </a:t>
             </a:r>
             <a:r>
               <a:rPr lang="bg-BG" dirty="0" smtClean="0">
@@ -4775,17 +4806,7 @@
                   </a:schemeClr>
                 </a:solidFill>
               </a:rPr>
-              <a:t>и </a:t>
-            </a:r>
-            <a:r>
-              <a:rPr lang="bg-BG" dirty="0" smtClean="0">
-                <a:solidFill>
-                  <a:schemeClr val="bg1">
-                    <a:lumMod val="95000"/>
-                  </a:schemeClr>
-                </a:solidFill>
-              </a:rPr>
-              <a:t>поканете вашия преподавател</a:t>
+              <a:t>и поканете вашия преподавател</a:t>
             </a:r>
             <a:endParaRPr lang="en-US" dirty="0" smtClean="0">
               <a:solidFill>
@@ -4796,10 +4817,19 @@
             </a:endParaRPr>
           </a:p>
           <a:p>
-            <a:pPr>
-              <a:buFont typeface="Wingdings" panose="05000000000000000000" pitchFamily="2" charset="2"/>
-              <a:buChar char="§"/>
+            <a:pPr marL="0" indent="0">
+              <a:buNone/>
             </a:pPr>
+            <a:r>
+              <a:rPr lang="en-US" dirty="0" smtClean="0">
+                <a:solidFill>
+                  <a:schemeClr val="bg1">
+                    <a:lumMod val="95000"/>
+                  </a:schemeClr>
+                </a:solidFill>
+              </a:rPr>
+              <a:t>1.6) </a:t>
+            </a:r>
             <a:r>
               <a:rPr lang="bg-BG" dirty="0" smtClean="0">
                 <a:solidFill>
